--- a/Images/Figures_PPT/PieCharts_TORC/ComponentsSARPieChartv2.pptx
+++ b/Images/Figures_PPT/PieCharts_TORC/ComponentsSARPieChartv2.pptx
@@ -307,7 +307,7 @@
           <a:p>
             <a:fld id="{E6744CE3-0875-4B69-89C0-6F72D8139561}" type="datetimeFigureOut">
               <a:rPr lang="en-GB" smtClean="0"/>
-              <a:t>13/05/2025</a:t>
+              <a:t>30/07/2025</a:t>
             </a:fld>
             <a:endParaRPr lang="en-GB"/>
           </a:p>
@@ -477,7 +477,7 @@
           <a:p>
             <a:fld id="{E6744CE3-0875-4B69-89C0-6F72D8139561}" type="datetimeFigureOut">
               <a:rPr lang="en-GB" smtClean="0"/>
-              <a:t>13/05/2025</a:t>
+              <a:t>30/07/2025</a:t>
             </a:fld>
             <a:endParaRPr lang="en-GB"/>
           </a:p>
@@ -723,7 +723,7 @@
           <a:p>
             <a:fld id="{E6744CE3-0875-4B69-89C0-6F72D8139561}" type="datetimeFigureOut">
               <a:rPr lang="en-GB" smtClean="0"/>
-              <a:t>13/05/2025</a:t>
+              <a:t>30/07/2025</a:t>
             </a:fld>
             <a:endParaRPr lang="en-GB"/>
           </a:p>
@@ -1011,7 +1011,7 @@
           <a:p>
             <a:fld id="{E6744CE3-0875-4B69-89C0-6F72D8139561}" type="datetimeFigureOut">
               <a:rPr lang="en-GB" smtClean="0"/>
-              <a:t>13/05/2025</a:t>
+              <a:t>30/07/2025</a:t>
             </a:fld>
             <a:endParaRPr lang="en-GB"/>
           </a:p>
@@ -1433,7 +1433,7 @@
           <a:p>
             <a:fld id="{E6744CE3-0875-4B69-89C0-6F72D8139561}" type="datetimeFigureOut">
               <a:rPr lang="en-GB" smtClean="0"/>
-              <a:t>13/05/2025</a:t>
+              <a:t>30/07/2025</a:t>
             </a:fld>
             <a:endParaRPr lang="en-GB"/>
           </a:p>
@@ -1551,7 +1551,7 @@
           <a:p>
             <a:fld id="{E6744CE3-0875-4B69-89C0-6F72D8139561}" type="datetimeFigureOut">
               <a:rPr lang="en-GB" smtClean="0"/>
-              <a:t>13/05/2025</a:t>
+              <a:t>30/07/2025</a:t>
             </a:fld>
             <a:endParaRPr lang="en-GB"/>
           </a:p>
@@ -1646,7 +1646,7 @@
           <a:p>
             <a:fld id="{E6744CE3-0875-4B69-89C0-6F72D8139561}" type="datetimeFigureOut">
               <a:rPr lang="en-GB" smtClean="0"/>
-              <a:t>13/05/2025</a:t>
+              <a:t>30/07/2025</a:t>
             </a:fld>
             <a:endParaRPr lang="en-GB"/>
           </a:p>
@@ -1859,7 +1859,7 @@
           <a:p>
             <a:fld id="{E6744CE3-0875-4B69-89C0-6F72D8139561}" type="datetimeFigureOut">
               <a:rPr lang="en-GB" smtClean="0"/>
-              <a:t>13/05/2025</a:t>
+              <a:t>30/07/2025</a:t>
             </a:fld>
             <a:endParaRPr lang="en-GB"/>
           </a:p>
@@ -2238,49 +2238,12 @@
         </p:nvGrpSpPr>
         <p:grpSpPr>
           <a:xfrm>
-            <a:off x="-15923" y="44624"/>
-            <a:ext cx="9159923" cy="6430617"/>
-            <a:chOff x="898477" y="884583"/>
-            <a:chExt cx="9159923" cy="6430617"/>
+            <a:off x="2098408" y="305249"/>
+            <a:ext cx="5054770" cy="5551471"/>
+            <a:chOff x="3012808" y="1145208"/>
+            <a:chExt cx="5054770" cy="5551471"/>
           </a:xfrm>
         </p:grpSpPr>
-        <p:sp>
-          <p:nvSpPr>
-            <p:cNvPr id="4" name="rc3"/>
-            <p:cNvSpPr/>
-            <p:nvPr/>
-          </p:nvSpPr>
-          <p:spPr>
-            <a:xfrm>
-              <a:off x="914400" y="914400"/>
-              <a:ext cx="9144000" cy="6400800"/>
-            </a:xfrm>
-            <a:prstGeom prst="rect">
-              <a:avLst/>
-            </a:prstGeom>
-            <a:solidFill>
-              <a:srgbClr val="FFFFFF">
-                <a:alpha val="100000"/>
-              </a:srgbClr>
-            </a:solidFill>
-            <a:ln w="9525" cap="rnd">
-              <a:solidFill>
-                <a:srgbClr val="FFFFFF">
-                  <a:alpha val="100000"/>
-                </a:srgbClr>
-              </a:solidFill>
-              <a:prstDash val="solid"/>
-              <a:round/>
-            </a:ln>
-          </p:spPr>
-          <p:txBody>
-            <a:bodyPr/>
-            <a:lstStyle/>
-            <a:p>
-              <a:endParaRPr/>
-            </a:p>
-          </p:txBody>
-        </p:sp>
         <p:sp>
           <p:nvSpPr>
             <p:cNvPr id="5" name="pg4"/>
@@ -2521,7 +2484,10 @@
             <a:bodyPr/>
             <a:lstStyle/>
             <a:p>
-              <a:endParaRPr/>
+              <a:endParaRPr sz="3600">
+                <a:latin typeface="Aptos" panose="020B0004020202020204" pitchFamily="34" charset="0"/>
+                <a:cs typeface="Aparajita" panose="02020603050405020304" pitchFamily="18" charset="0"/>
+              </a:endParaRPr>
             </a:p>
           </p:txBody>
         </p:sp>
@@ -2798,7 +2764,10 @@
             <a:bodyPr/>
             <a:lstStyle/>
             <a:p>
-              <a:endParaRPr/>
+              <a:endParaRPr sz="3600">
+                <a:latin typeface="Aptos" panose="020B0004020202020204" pitchFamily="34" charset="0"/>
+                <a:cs typeface="Aparajita" panose="02020603050405020304" pitchFamily="18" charset="0"/>
+              </a:endParaRPr>
             </a:p>
           </p:txBody>
         </p:sp>
@@ -3231,7 +3200,10 @@
             <a:bodyPr/>
             <a:lstStyle/>
             <a:p>
-              <a:endParaRPr/>
+              <a:endParaRPr sz="3600">
+                <a:latin typeface="Aptos" panose="020B0004020202020204" pitchFamily="34" charset="0"/>
+                <a:cs typeface="Aparajita" panose="02020603050405020304" pitchFamily="18" charset="0"/>
+              </a:endParaRPr>
             </a:p>
           </p:txBody>
         </p:sp>
@@ -3709,7 +3681,10 @@
             <a:bodyPr/>
             <a:lstStyle/>
             <a:p>
-              <a:endParaRPr/>
+              <a:endParaRPr sz="3600">
+                <a:latin typeface="Aptos" panose="020B0004020202020204" pitchFamily="34" charset="0"/>
+                <a:cs typeface="Aparajita" panose="02020603050405020304" pitchFamily="18" charset="0"/>
+              </a:endParaRPr>
             </a:p>
           </p:txBody>
         </p:sp>
@@ -3745,62 +3720,16 @@
                 </a:spcAft>
               </a:pPr>
               <a:r>
-                <a:rPr sz="1707" dirty="0">
+                <a:rPr sz="3600" dirty="0">
                   <a:solidFill>
                     <a:srgbClr val="000000">
                       <a:alpha val="100000"/>
                     </a:srgbClr>
                   </a:solidFill>
-                  <a:latin typeface="Arial"/>
-                  <a:cs typeface="Arial"/>
+                  <a:latin typeface="Aptos" panose="020B0004020202020204" pitchFamily="34" charset="0"/>
+                  <a:cs typeface="Aparajita" panose="02020603050405020304" pitchFamily="18" charset="0"/>
                 </a:rPr>
                 <a:t>TORC2 Only </a:t>
-              </a:r>
-            </a:p>
-          </p:txBody>
-        </p:sp>
-        <p:sp>
-          <p:nvSpPr>
-            <p:cNvPr id="10" name="tx9"/>
-            <p:cNvSpPr/>
-            <p:nvPr/>
-          </p:nvSpPr>
-          <p:spPr>
-            <a:xfrm>
-              <a:off x="5600409" y="1420512"/>
-              <a:ext cx="855806" cy="163560"/>
-            </a:xfrm>
-            <a:prstGeom prst="rect">
-              <a:avLst/>
-            </a:prstGeom>
-            <a:noFill/>
-          </p:spPr>
-          <p:txBody>
-            <a:bodyPr wrap="none" lIns="0" tIns="0" rIns="0" bIns="0" anchor="ctr" anchorCtr="1"/>
-            <a:lstStyle/>
-            <a:p>
-              <a:pPr marL="0" marR="0" indent="0" algn="l">
-                <a:lnSpc>
-                  <a:spcPts val="1707"/>
-                </a:lnSpc>
-                <a:spcBef>
-                  <a:spcPts val="0"/>
-                </a:spcBef>
-                <a:spcAft>
-                  <a:spcPts val="0"/>
-                </a:spcAft>
-              </a:pPr>
-              <a:r>
-                <a:rPr sz="1707" dirty="0">
-                  <a:solidFill>
-                    <a:srgbClr val="000000">
-                      <a:alpha val="100000"/>
-                    </a:srgbClr>
-                  </a:solidFill>
-                  <a:latin typeface="Arial"/>
-                  <a:cs typeface="Arial"/>
-                </a:rPr>
-                <a:t> 4.781 %</a:t>
               </a:r>
             </a:p>
           </p:txBody>
@@ -3837,14 +3766,14 @@
                 </a:spcAft>
               </a:pPr>
               <a:r>
-                <a:rPr sz="1707" dirty="0">
+                <a:rPr sz="3600" dirty="0">
                   <a:solidFill>
                     <a:srgbClr val="000000">
                       <a:alpha val="100000"/>
                     </a:srgbClr>
                   </a:solidFill>
-                  <a:latin typeface="Arial"/>
-                  <a:cs typeface="Arial"/>
+                  <a:latin typeface="Aptos" panose="020B0004020202020204" pitchFamily="34" charset="0"/>
+                  <a:cs typeface="Aparajita" panose="02020603050405020304" pitchFamily="18" charset="0"/>
                 </a:rPr>
                 <a:t>TORC1 Only </a:t>
               </a:r>
@@ -3853,14 +3782,14 @@
         </p:sp>
         <p:sp>
           <p:nvSpPr>
-            <p:cNvPr id="12" name="tx11"/>
+            <p:cNvPr id="13" name="tx12"/>
             <p:cNvSpPr/>
             <p:nvPr/>
           </p:nvSpPr>
           <p:spPr>
             <a:xfrm>
-              <a:off x="6887715" y="2050743"/>
-              <a:ext cx="976386" cy="163560"/>
+              <a:off x="5660968" y="4412839"/>
+              <a:ext cx="1794928" cy="1270072"/>
             </a:xfrm>
             <a:prstGeom prst="rect">
               <a:avLst/>
@@ -3883,108 +3812,40 @@
                 </a:spcAft>
               </a:pPr>
               <a:r>
-                <a:rPr sz="1707" dirty="0">
+                <a:rPr sz="3600" dirty="0">
                   <a:solidFill>
                     <a:srgbClr val="000000">
                       <a:alpha val="100000"/>
                     </a:srgbClr>
                   </a:solidFill>
-                  <a:latin typeface="Arial"/>
-                  <a:cs typeface="Arial"/>
+                  <a:latin typeface="Aptos" panose="020B0004020202020204" pitchFamily="34" charset="0"/>
+                  <a:cs typeface="Aparajita" panose="02020603050405020304" pitchFamily="18" charset="0"/>
                 </a:rPr>
-                <a:t> 10.359 %</a:t>
+                <a:t>TORC</a:t>
               </a:r>
-            </a:p>
-          </p:txBody>
-        </p:sp>
-        <p:sp>
-          <p:nvSpPr>
-            <p:cNvPr id="13" name="tx12"/>
-            <p:cNvSpPr/>
-            <p:nvPr/>
-          </p:nvSpPr>
-          <p:spPr>
-            <a:xfrm>
-              <a:off x="5622115" y="4663005"/>
-              <a:ext cx="1794928" cy="161548"/>
-            </a:xfrm>
-            <a:prstGeom prst="rect">
-              <a:avLst/>
-            </a:prstGeom>
-            <a:noFill/>
-          </p:spPr>
-          <p:txBody>
-            <a:bodyPr wrap="none" lIns="0" tIns="0" rIns="0" bIns="0" anchor="ctr" anchorCtr="1"/>
-            <a:lstStyle/>
-            <a:p>
-              <a:pPr marL="0" marR="0" indent="0" algn="l">
-                <a:lnSpc>
-                  <a:spcPts val="1707"/>
-                </a:lnSpc>
-                <a:spcBef>
-                  <a:spcPts val="0"/>
-                </a:spcBef>
-                <a:spcAft>
-                  <a:spcPts val="0"/>
-                </a:spcAft>
-              </a:pPr>
               <a:r>
-                <a:rPr sz="1707">
+                <a:rPr lang="en-US" sz="3600" dirty="0">
                   <a:solidFill>
                     <a:srgbClr val="000000">
                       <a:alpha val="100000"/>
                     </a:srgbClr>
                   </a:solidFill>
-                  <a:latin typeface="Arial"/>
-                  <a:cs typeface="Arial"/>
+                  <a:latin typeface="Aptos" panose="020B0004020202020204" pitchFamily="34" charset="0"/>
+                  <a:cs typeface="Aparajita" panose="02020603050405020304" pitchFamily="18" charset="0"/>
                 </a:rPr>
-                <a:t>TORC1 &amp; TORC2 </a:t>
+                <a:t> 1&amp;2</a:t>
               </a:r>
-            </a:p>
-          </p:txBody>
-        </p:sp>
-        <p:sp>
-          <p:nvSpPr>
-            <p:cNvPr id="14" name="tx13"/>
-            <p:cNvSpPr/>
-            <p:nvPr/>
-          </p:nvSpPr>
-          <p:spPr>
-            <a:xfrm>
-              <a:off x="6031386" y="4973200"/>
-              <a:ext cx="976386" cy="163560"/>
-            </a:xfrm>
-            <a:prstGeom prst="rect">
-              <a:avLst/>
-            </a:prstGeom>
-            <a:noFill/>
-          </p:spPr>
-          <p:txBody>
-            <a:bodyPr wrap="none" lIns="0" tIns="0" rIns="0" bIns="0" anchor="ctr" anchorCtr="1"/>
-            <a:lstStyle/>
-            <a:p>
-              <a:pPr marL="0" marR="0" indent="0" algn="l">
-                <a:lnSpc>
-                  <a:spcPts val="1707"/>
-                </a:lnSpc>
-                <a:spcBef>
-                  <a:spcPts val="0"/>
-                </a:spcBef>
-                <a:spcAft>
-                  <a:spcPts val="0"/>
-                </a:spcAft>
-              </a:pPr>
               <a:r>
-                <a:rPr sz="1707">
+                <a:rPr sz="3600" dirty="0">
                   <a:solidFill>
                     <a:srgbClr val="000000">
                       <a:alpha val="100000"/>
                     </a:srgbClr>
                   </a:solidFill>
-                  <a:latin typeface="Arial"/>
-                  <a:cs typeface="Arial"/>
+                  <a:latin typeface="Aptos" panose="020B0004020202020204" pitchFamily="34" charset="0"/>
+                  <a:cs typeface="Aparajita" panose="02020603050405020304" pitchFamily="18" charset="0"/>
                 </a:rPr>
-                <a:t> 38.247 %</a:t>
+                <a:t> </a:t>
               </a:r>
             </a:p>
           </p:txBody>
@@ -4021,108 +3882,16 @@
                 </a:spcAft>
               </a:pPr>
               <a:r>
-                <a:rPr sz="1707">
+                <a:rPr sz="3600">
                   <a:solidFill>
                     <a:srgbClr val="000000">
                       <a:alpha val="100000"/>
                     </a:srgbClr>
                   </a:solidFill>
-                  <a:latin typeface="Arial"/>
-                  <a:cs typeface="Arial"/>
+                  <a:latin typeface="Aptos" panose="020B0004020202020204" pitchFamily="34" charset="0"/>
+                  <a:cs typeface="Aparajita" panose="02020603050405020304" pitchFamily="18" charset="0"/>
                 </a:rPr>
                 <a:t>No TORC </a:t>
-              </a:r>
-            </a:p>
-          </p:txBody>
-        </p:sp>
-        <p:sp>
-          <p:nvSpPr>
-            <p:cNvPr id="16" name="tx15"/>
-            <p:cNvSpPr/>
-            <p:nvPr/>
-          </p:nvSpPr>
-          <p:spPr>
-            <a:xfrm>
-              <a:off x="3768392" y="4161989"/>
-              <a:ext cx="976386" cy="163560"/>
-            </a:xfrm>
-            <a:prstGeom prst="rect">
-              <a:avLst/>
-            </a:prstGeom>
-            <a:noFill/>
-          </p:spPr>
-          <p:txBody>
-            <a:bodyPr wrap="none" lIns="0" tIns="0" rIns="0" bIns="0" anchor="ctr" anchorCtr="1"/>
-            <a:lstStyle/>
-            <a:p>
-              <a:pPr marL="0" marR="0" indent="0" algn="l">
-                <a:lnSpc>
-                  <a:spcPts val="1707"/>
-                </a:lnSpc>
-                <a:spcBef>
-                  <a:spcPts val="0"/>
-                </a:spcBef>
-                <a:spcAft>
-                  <a:spcPts val="0"/>
-                </a:spcAft>
-              </a:pPr>
-              <a:r>
-                <a:rPr sz="1707">
-                  <a:solidFill>
-                    <a:srgbClr val="000000">
-                      <a:alpha val="100000"/>
-                    </a:srgbClr>
-                  </a:solidFill>
-                  <a:latin typeface="Arial"/>
-                  <a:cs typeface="Arial"/>
-                </a:rPr>
-                <a:t> 46.614 %</a:t>
-              </a:r>
-            </a:p>
-          </p:txBody>
-        </p:sp>
-        <p:sp>
-          <p:nvSpPr>
-            <p:cNvPr id="17" name="tx16"/>
-            <p:cNvSpPr/>
-            <p:nvPr/>
-          </p:nvSpPr>
-          <p:spPr>
-            <a:xfrm>
-              <a:off x="898477" y="884583"/>
-              <a:ext cx="2314217" cy="152251"/>
-            </a:xfrm>
-            <a:prstGeom prst="rect">
-              <a:avLst/>
-            </a:prstGeom>
-            <a:noFill/>
-          </p:spPr>
-          <p:txBody>
-            <a:bodyPr wrap="none" lIns="0" tIns="0" rIns="0" bIns="0" anchor="ctr" anchorCtr="1"/>
-            <a:lstStyle/>
-            <a:p>
-              <a:pPr marL="0" marR="0" indent="0" algn="l">
-                <a:lnSpc>
-                  <a:spcPts val="1320"/>
-                </a:lnSpc>
-                <a:spcBef>
-                  <a:spcPts val="0"/>
-                </a:spcBef>
-                <a:spcAft>
-                  <a:spcPts val="0"/>
-                </a:spcAft>
-              </a:pPr>
-              <a:r>
-                <a:rPr sz="1320" dirty="0">
-                  <a:solidFill>
-                    <a:srgbClr val="000000">
-                      <a:alpha val="100000"/>
-                    </a:srgbClr>
-                  </a:solidFill>
-                  <a:latin typeface="Times New Roman"/>
-                  <a:cs typeface="Times New Roman"/>
-                </a:rPr>
-                <a:t>TOR Complexes Breakdown SAR</a:t>
               </a:r>
             </a:p>
           </p:txBody>
@@ -4138,14 +3907,15 @@
             </a:extLst>
           </p:cNvPr>
           <p:cNvCxnSpPr>
-            <a:stCxn id="10" idx="2"/>
+            <a:cxnSpLocks/>
+            <a:stCxn id="9" idx="2"/>
           </p:cNvCxnSpPr>
           <p:nvPr/>
         </p:nvCxnSpPr>
         <p:spPr>
           <a:xfrm flipH="1">
-            <a:off x="4824536" y="744113"/>
-            <a:ext cx="289376" cy="1162576"/>
+            <a:off x="4824536" y="508825"/>
+            <a:ext cx="292450" cy="1397864"/>
           </a:xfrm>
           <a:prstGeom prst="straightConnector1">
             <a:avLst/>
@@ -4182,14 +3952,15 @@
             </a:extLst>
           </p:cNvPr>
           <p:cNvCxnSpPr>
-            <a:stCxn id="12" idx="2"/>
+            <a:cxnSpLocks/>
+            <a:stCxn id="11" idx="2"/>
           </p:cNvCxnSpPr>
           <p:nvPr/>
         </p:nvCxnSpPr>
         <p:spPr>
           <a:xfrm flipH="1">
-            <a:off x="5472608" y="1374344"/>
-            <a:ext cx="988900" cy="827455"/>
+            <a:off x="5472608" y="1122164"/>
+            <a:ext cx="1030035" cy="1079635"/>
           </a:xfrm>
           <a:prstGeom prst="straightConnector1">
             <a:avLst/>

--- a/Images/Figures_PPT/PieCharts_TORC/ComponentsSARPieChartv2.pptx
+++ b/Images/Figures_PPT/PieCharts_TORC/ComponentsSARPieChartv2.pptx
@@ -307,7 +307,7 @@
           <a:p>
             <a:fld id="{E6744CE3-0875-4B69-89C0-6F72D8139561}" type="datetimeFigureOut">
               <a:rPr lang="en-GB" smtClean="0"/>
-              <a:t>30/07/2025</a:t>
+              <a:t>05/08/2025</a:t>
             </a:fld>
             <a:endParaRPr lang="en-GB"/>
           </a:p>
@@ -477,7 +477,7 @@
           <a:p>
             <a:fld id="{E6744CE3-0875-4B69-89C0-6F72D8139561}" type="datetimeFigureOut">
               <a:rPr lang="en-GB" smtClean="0"/>
-              <a:t>30/07/2025</a:t>
+              <a:t>05/08/2025</a:t>
             </a:fld>
             <a:endParaRPr lang="en-GB"/>
           </a:p>
@@ -723,7 +723,7 @@
           <a:p>
             <a:fld id="{E6744CE3-0875-4B69-89C0-6F72D8139561}" type="datetimeFigureOut">
               <a:rPr lang="en-GB" smtClean="0"/>
-              <a:t>30/07/2025</a:t>
+              <a:t>05/08/2025</a:t>
             </a:fld>
             <a:endParaRPr lang="en-GB"/>
           </a:p>
@@ -1011,7 +1011,7 @@
           <a:p>
             <a:fld id="{E6744CE3-0875-4B69-89C0-6F72D8139561}" type="datetimeFigureOut">
               <a:rPr lang="en-GB" smtClean="0"/>
-              <a:t>30/07/2025</a:t>
+              <a:t>05/08/2025</a:t>
             </a:fld>
             <a:endParaRPr lang="en-GB"/>
           </a:p>
@@ -1433,7 +1433,7 @@
           <a:p>
             <a:fld id="{E6744CE3-0875-4B69-89C0-6F72D8139561}" type="datetimeFigureOut">
               <a:rPr lang="en-GB" smtClean="0"/>
-              <a:t>30/07/2025</a:t>
+              <a:t>05/08/2025</a:t>
             </a:fld>
             <a:endParaRPr lang="en-GB"/>
           </a:p>
@@ -1551,7 +1551,7 @@
           <a:p>
             <a:fld id="{E6744CE3-0875-4B69-89C0-6F72D8139561}" type="datetimeFigureOut">
               <a:rPr lang="en-GB" smtClean="0"/>
-              <a:t>30/07/2025</a:t>
+              <a:t>05/08/2025</a:t>
             </a:fld>
             <a:endParaRPr lang="en-GB"/>
           </a:p>
@@ -1646,7 +1646,7 @@
           <a:p>
             <a:fld id="{E6744CE3-0875-4B69-89C0-6F72D8139561}" type="datetimeFigureOut">
               <a:rPr lang="en-GB" smtClean="0"/>
-              <a:t>30/07/2025</a:t>
+              <a:t>05/08/2025</a:t>
             </a:fld>
             <a:endParaRPr lang="en-GB"/>
           </a:p>
@@ -1859,7 +1859,7 @@
           <a:p>
             <a:fld id="{E6744CE3-0875-4B69-89C0-6F72D8139561}" type="datetimeFigureOut">
               <a:rPr lang="en-GB" smtClean="0"/>
-              <a:t>30/07/2025</a:t>
+              <a:t>05/08/2025</a:t>
             </a:fld>
             <a:endParaRPr lang="en-GB"/>
           </a:p>
@@ -2238,10 +2238,10 @@
         </p:nvGrpSpPr>
         <p:grpSpPr>
           <a:xfrm>
-            <a:off x="2098408" y="305249"/>
-            <a:ext cx="5054770" cy="5551471"/>
-            <a:chOff x="3012808" y="1145208"/>
-            <a:chExt cx="5054770" cy="5551471"/>
+            <a:off x="2098408" y="289197"/>
+            <a:ext cx="5597608" cy="5567523"/>
+            <a:chOff x="3012808" y="1129156"/>
+            <a:chExt cx="5597608" cy="5567523"/>
           </a:xfrm>
         </p:grpSpPr>
         <p:sp>
@@ -3696,7 +3696,7 @@
           </p:nvSpPr>
           <p:spPr>
             <a:xfrm>
-              <a:off x="5380850" y="1145208"/>
+              <a:off x="4835863" y="1129156"/>
               <a:ext cx="1301071" cy="203576"/>
             </a:xfrm>
             <a:prstGeom prst="rect">
@@ -3742,7 +3742,7 @@
           </p:nvSpPr>
           <p:spPr>
             <a:xfrm>
-              <a:off x="6766507" y="1758547"/>
+              <a:off x="7309345" y="1739451"/>
               <a:ext cx="1301071" cy="203576"/>
             </a:xfrm>
             <a:prstGeom prst="rect">
@@ -3833,7 +3833,7 @@
                   <a:latin typeface="Aptos" panose="020B0004020202020204" pitchFamily="34" charset="0"/>
                   <a:cs typeface="Aparajita" panose="02020603050405020304" pitchFamily="18" charset="0"/>
                 </a:rPr>
-                <a:t> 1&amp;2</a:t>
+                <a:t>1&amp;2</a:t>
               </a:r>
               <a:r>
                 <a:rPr sz="3600" dirty="0">
@@ -3913,29 +3913,26 @@
           <p:nvPr/>
         </p:nvCxnSpPr>
         <p:spPr>
-          <a:xfrm flipH="1">
-            <a:off x="4824536" y="508825"/>
-            <a:ext cx="292450" cy="1397864"/>
+          <a:xfrm>
+            <a:off x="4571999" y="492773"/>
+            <a:ext cx="174569" cy="1653642"/>
           </a:xfrm>
           <a:prstGeom prst="straightConnector1">
             <a:avLst/>
           </a:prstGeom>
           <a:ln>
-            <a:solidFill>
-              <a:schemeClr val="tx1"/>
-            </a:solidFill>
             <a:tailEnd type="triangle"/>
           </a:ln>
         </p:spPr>
         <p:style>
-          <a:lnRef idx="1">
-            <a:schemeClr val="accent1"/>
+          <a:lnRef idx="2">
+            <a:schemeClr val="dk1"/>
           </a:lnRef>
           <a:fillRef idx="0">
-            <a:schemeClr val="accent1"/>
+            <a:schemeClr val="dk1"/>
           </a:fillRef>
-          <a:effectRef idx="0">
-            <a:schemeClr val="accent1"/>
+          <a:effectRef idx="1">
+            <a:schemeClr val="dk1"/>
           </a:effectRef>
           <a:fontRef idx="minor">
             <a:schemeClr val="tx1"/>
@@ -3959,28 +3956,25 @@
         </p:nvCxnSpPr>
         <p:spPr>
           <a:xfrm flipH="1">
-            <a:off x="5472608" y="1122164"/>
-            <a:ext cx="1030035" cy="1079635"/>
+            <a:off x="5429874" y="1103068"/>
+            <a:ext cx="1615607" cy="1193407"/>
           </a:xfrm>
           <a:prstGeom prst="straightConnector1">
             <a:avLst/>
           </a:prstGeom>
           <a:ln>
-            <a:solidFill>
-              <a:schemeClr val="tx1"/>
-            </a:solidFill>
             <a:tailEnd type="triangle"/>
           </a:ln>
         </p:spPr>
         <p:style>
-          <a:lnRef idx="1">
-            <a:schemeClr val="accent1"/>
+          <a:lnRef idx="2">
+            <a:schemeClr val="dk1"/>
           </a:lnRef>
           <a:fillRef idx="0">
-            <a:schemeClr val="accent1"/>
+            <a:schemeClr val="dk1"/>
           </a:fillRef>
-          <a:effectRef idx="0">
-            <a:schemeClr val="accent1"/>
+          <a:effectRef idx="1">
+            <a:schemeClr val="dk1"/>
           </a:effectRef>
           <a:fontRef idx="minor">
             <a:schemeClr val="tx1"/>
